--- a/Projektmgmt/Bildanalyse Software_RogerBollmann.pptx
+++ b/Projektmgmt/Bildanalyse Software_RogerBollmann.pptx
@@ -3455,15 +3455,11 @@
             <a:pPr algn="l"/>
             <a:r>
               <a:rPr lang="en-US" dirty="0" err="1" smtClean="0"/>
-              <a:t>Beträuer</a:t>
+              <a:t>Betreuer</a:t>
             </a:r>
             <a:r>
               <a:rPr lang="en-US" dirty="0" smtClean="0"/>
-              <a:t>: </a:t>
-            </a:r>
-            <a:r>
-              <a:rPr lang="en-US" dirty="0" smtClean="0"/>
-              <a:t>Mathias Bachman</a:t>
+              <a:t>: Mathias Bachman</a:t>
             </a:r>
           </a:p>
           <a:p>
@@ -3587,18 +3583,12 @@
               <a:rPr lang="de-CH" dirty="0" smtClean="0"/>
               <a:t>Grobplanung</a:t>
             </a:r>
-            <a:endParaRPr lang="de-CH" dirty="0" smtClean="0"/>
           </a:p>
           <a:p>
             <a:r>
               <a:rPr lang="de-CH" dirty="0" smtClean="0"/>
-              <a:t>Erwartete </a:t>
-            </a:r>
-            <a:r>
-              <a:rPr lang="de-CH" dirty="0" smtClean="0"/>
-              <a:t>Resultate</a:t>
-            </a:r>
-            <a:endParaRPr lang="de-CH" dirty="0" smtClean="0"/>
+              <a:t>Erwartete Resultate</a:t>
+            </a:r>
           </a:p>
         </p:txBody>
       </p:sp>

--- a/Projektmgmt/Bildanalyse Software_RogerBollmann.pptx
+++ b/Projektmgmt/Bildanalyse Software_RogerBollmann.pptx
@@ -318,7 +318,7 @@
           <a:p>
             <a:fld id="{A132F123-BEE1-4E11-B52E-5EA4A2313568}" type="datetimeFigureOut">
               <a:rPr lang="en-US" smtClean="0"/>
-              <a:t>3/26/2015</a:t>
+              <a:t>7/11/2015</a:t>
             </a:fld>
             <a:endParaRPr lang="en-US"/>
           </a:p>
@@ -518,7 +518,7 @@
           <a:p>
             <a:fld id="{A132F123-BEE1-4E11-B52E-5EA4A2313568}" type="datetimeFigureOut">
               <a:rPr lang="en-US" smtClean="0"/>
-              <a:t>3/26/2015</a:t>
+              <a:t>7/11/2015</a:t>
             </a:fld>
             <a:endParaRPr lang="en-US"/>
           </a:p>
@@ -693,7 +693,7 @@
           <a:p>
             <a:fld id="{A132F123-BEE1-4E11-B52E-5EA4A2313568}" type="datetimeFigureOut">
               <a:rPr lang="en-US" smtClean="0"/>
-              <a:t>3/26/2015</a:t>
+              <a:t>7/11/2015</a:t>
             </a:fld>
             <a:endParaRPr lang="en-US"/>
           </a:p>
@@ -858,7 +858,7 @@
           <a:p>
             <a:fld id="{A132F123-BEE1-4E11-B52E-5EA4A2313568}" type="datetimeFigureOut">
               <a:rPr lang="en-US" smtClean="0"/>
-              <a:t>3/26/2015</a:t>
+              <a:t>7/11/2015</a:t>
             </a:fld>
             <a:endParaRPr lang="en-US"/>
           </a:p>
@@ -1106,7 +1106,7 @@
           <a:p>
             <a:fld id="{A132F123-BEE1-4E11-B52E-5EA4A2313568}" type="datetimeFigureOut">
               <a:rPr lang="en-US" smtClean="0"/>
-              <a:t>3/26/2015</a:t>
+              <a:t>7/11/2015</a:t>
             </a:fld>
             <a:endParaRPr lang="en-US"/>
           </a:p>
@@ -1424,7 +1424,7 @@
           <a:p>
             <a:fld id="{A132F123-BEE1-4E11-B52E-5EA4A2313568}" type="datetimeFigureOut">
               <a:rPr lang="en-US" smtClean="0"/>
-              <a:t>3/26/2015</a:t>
+              <a:t>7/11/2015</a:t>
             </a:fld>
             <a:endParaRPr lang="en-US"/>
           </a:p>
@@ -1890,7 +1890,7 @@
           <a:p>
             <a:fld id="{A132F123-BEE1-4E11-B52E-5EA4A2313568}" type="datetimeFigureOut">
               <a:rPr lang="en-US" smtClean="0"/>
-              <a:t>3/26/2015</a:t>
+              <a:t>7/11/2015</a:t>
             </a:fld>
             <a:endParaRPr lang="en-US"/>
           </a:p>
@@ -2038,7 +2038,7 @@
           <a:p>
             <a:fld id="{A132F123-BEE1-4E11-B52E-5EA4A2313568}" type="datetimeFigureOut">
               <a:rPr lang="en-US" smtClean="0"/>
-              <a:t>3/26/2015</a:t>
+              <a:t>7/11/2015</a:t>
             </a:fld>
             <a:endParaRPr lang="en-US"/>
           </a:p>
@@ -2128,7 +2128,7 @@
           <a:p>
             <a:fld id="{A132F123-BEE1-4E11-B52E-5EA4A2313568}" type="datetimeFigureOut">
               <a:rPr lang="en-US" smtClean="0"/>
-              <a:t>3/26/2015</a:t>
+              <a:t>7/11/2015</a:t>
             </a:fld>
             <a:endParaRPr lang="en-US"/>
           </a:p>
@@ -2402,7 +2402,7 @@
           <a:p>
             <a:fld id="{A132F123-BEE1-4E11-B52E-5EA4A2313568}" type="datetimeFigureOut">
               <a:rPr lang="en-US" smtClean="0"/>
-              <a:t>3/26/2015</a:t>
+              <a:t>7/11/2015</a:t>
             </a:fld>
             <a:endParaRPr lang="en-US"/>
           </a:p>
@@ -2707,7 +2707,7 @@
           <a:p>
             <a:fld id="{A132F123-BEE1-4E11-B52E-5EA4A2313568}" type="datetimeFigureOut">
               <a:rPr lang="en-US" smtClean="0"/>
-              <a:t>3/26/2015</a:t>
+              <a:t>7/11/2015</a:t>
             </a:fld>
             <a:endParaRPr lang="en-US"/>
           </a:p>
@@ -3005,7 +3005,7 @@
           <a:p>
             <a:fld id="{A132F123-BEE1-4E11-B52E-5EA4A2313568}" type="datetimeFigureOut">
               <a:rPr lang="en-US" smtClean="0"/>
-              <a:t>3/26/2015</a:t>
+              <a:t>7/11/2015</a:t>
             </a:fld>
             <a:endParaRPr lang="en-US"/>
           </a:p>
@@ -4001,7 +4001,7 @@
       </p:grpSpPr>
       <p:sp>
         <p:nvSpPr>
-          <p:cNvPr id="37" name="Rounded Rectangle 2"/>
+          <p:cNvPr id="32" name="Rounded Rectangle 2"/>
           <p:cNvSpPr>
             <a:spLocks noChangeArrowheads="1"/>
           </p:cNvSpPr>
@@ -4009,14 +4009,20 @@
         </p:nvSpPr>
         <p:spPr bwMode="auto">
           <a:xfrm>
-            <a:off x="2771800" y="3284984"/>
-            <a:ext cx="4779963" cy="2880320"/>
+            <a:off x="684457" y="1297800"/>
+            <a:ext cx="8002343" cy="5083527"/>
           </a:xfrm>
           <a:prstGeom prst="roundRect">
             <a:avLst>
               <a:gd name="adj" fmla="val 16667"/>
             </a:avLst>
           </a:prstGeom>
+          <a:solidFill>
+            <a:schemeClr val="accent2">
+              <a:lumMod val="60000"/>
+              <a:lumOff val="40000"/>
+            </a:schemeClr>
+          </a:solidFill>
           <a:ln>
             <a:headEnd/>
             <a:tailEnd/>
@@ -4161,6 +4167,166 @@
       </p:sp>
       <p:sp>
         <p:nvSpPr>
+          <p:cNvPr id="37" name="Rounded Rectangle 2"/>
+          <p:cNvSpPr>
+            <a:spLocks noChangeArrowheads="1"/>
+          </p:cNvSpPr>
+          <p:nvPr/>
+        </p:nvSpPr>
+        <p:spPr bwMode="auto">
+          <a:xfrm>
+            <a:off x="2771800" y="3284984"/>
+            <a:ext cx="4779963" cy="2880320"/>
+          </a:xfrm>
+          <a:prstGeom prst="roundRect">
+            <a:avLst>
+              <a:gd name="adj" fmla="val 16667"/>
+            </a:avLst>
+          </a:prstGeom>
+          <a:ln>
+            <a:headEnd/>
+            <a:tailEnd/>
+          </a:ln>
+        </p:spPr>
+        <p:style>
+          <a:lnRef idx="1">
+            <a:schemeClr val="accent1"/>
+          </a:lnRef>
+          <a:fillRef idx="2">
+            <a:schemeClr val="accent1"/>
+          </a:fillRef>
+          <a:effectRef idx="1">
+            <a:schemeClr val="accent1"/>
+          </a:effectRef>
+          <a:fontRef idx="minor">
+            <a:schemeClr val="dk1"/>
+          </a:fontRef>
+        </p:style>
+        <p:txBody>
+          <a:bodyPr lIns="0" tIns="0" rIns="0" bIns="0"/>
+          <a:lstStyle>
+            <a:lvl1pPr>
+              <a:defRPr>
+                <a:solidFill>
+                  <a:schemeClr val="tx1"/>
+                </a:solidFill>
+                <a:latin typeface="Frutiger 55 Roman" pitchFamily="34" charset="0"/>
+                <a:ea typeface="Arial Unicode MS" pitchFamily="34" charset="-128"/>
+                <a:cs typeface="Arial Unicode MS" pitchFamily="34" charset="-128"/>
+              </a:defRPr>
+            </a:lvl1pPr>
+            <a:lvl2pPr marL="742950" indent="-285750">
+              <a:defRPr>
+                <a:solidFill>
+                  <a:schemeClr val="tx1"/>
+                </a:solidFill>
+                <a:latin typeface="Frutiger 55 Roman" pitchFamily="34" charset="0"/>
+                <a:ea typeface="Arial Unicode MS" pitchFamily="34" charset="-128"/>
+                <a:cs typeface="Arial Unicode MS" pitchFamily="34" charset="-128"/>
+              </a:defRPr>
+            </a:lvl2pPr>
+            <a:lvl3pPr marL="1143000" indent="-228600">
+              <a:defRPr>
+                <a:solidFill>
+                  <a:schemeClr val="tx1"/>
+                </a:solidFill>
+                <a:latin typeface="Frutiger 55 Roman" pitchFamily="34" charset="0"/>
+                <a:ea typeface="Arial Unicode MS" pitchFamily="34" charset="-128"/>
+                <a:cs typeface="Arial Unicode MS" pitchFamily="34" charset="-128"/>
+              </a:defRPr>
+            </a:lvl3pPr>
+            <a:lvl4pPr marL="1600200" indent="-228600">
+              <a:defRPr>
+                <a:solidFill>
+                  <a:schemeClr val="tx1"/>
+                </a:solidFill>
+                <a:latin typeface="Frutiger 55 Roman" pitchFamily="34" charset="0"/>
+                <a:ea typeface="Arial Unicode MS" pitchFamily="34" charset="-128"/>
+                <a:cs typeface="Arial Unicode MS" pitchFamily="34" charset="-128"/>
+              </a:defRPr>
+            </a:lvl4pPr>
+            <a:lvl5pPr marL="2057400" indent="-228600">
+              <a:defRPr>
+                <a:solidFill>
+                  <a:schemeClr val="tx1"/>
+                </a:solidFill>
+                <a:latin typeface="Frutiger 55 Roman" pitchFamily="34" charset="0"/>
+                <a:ea typeface="Arial Unicode MS" pitchFamily="34" charset="-128"/>
+                <a:cs typeface="Arial Unicode MS" pitchFamily="34" charset="-128"/>
+              </a:defRPr>
+            </a:lvl5pPr>
+            <a:lvl6pPr marL="2514600" indent="-228600" algn="ctr" eaLnBrk="0" fontAlgn="base" hangingPunct="0">
+              <a:spcBef>
+                <a:spcPct val="50000"/>
+              </a:spcBef>
+              <a:spcAft>
+                <a:spcPct val="0"/>
+              </a:spcAft>
+              <a:defRPr>
+                <a:solidFill>
+                  <a:schemeClr val="tx1"/>
+                </a:solidFill>
+                <a:latin typeface="Frutiger 55 Roman" pitchFamily="34" charset="0"/>
+                <a:ea typeface="Arial Unicode MS" pitchFamily="34" charset="-128"/>
+                <a:cs typeface="Arial Unicode MS" pitchFamily="34" charset="-128"/>
+              </a:defRPr>
+            </a:lvl6pPr>
+            <a:lvl7pPr marL="2971800" indent="-228600" algn="ctr" eaLnBrk="0" fontAlgn="base" hangingPunct="0">
+              <a:spcBef>
+                <a:spcPct val="50000"/>
+              </a:spcBef>
+              <a:spcAft>
+                <a:spcPct val="0"/>
+              </a:spcAft>
+              <a:defRPr>
+                <a:solidFill>
+                  <a:schemeClr val="tx1"/>
+                </a:solidFill>
+                <a:latin typeface="Frutiger 55 Roman" pitchFamily="34" charset="0"/>
+                <a:ea typeface="Arial Unicode MS" pitchFamily="34" charset="-128"/>
+                <a:cs typeface="Arial Unicode MS" pitchFamily="34" charset="-128"/>
+              </a:defRPr>
+            </a:lvl7pPr>
+            <a:lvl8pPr marL="3429000" indent="-228600" algn="ctr" eaLnBrk="0" fontAlgn="base" hangingPunct="0">
+              <a:spcBef>
+                <a:spcPct val="50000"/>
+              </a:spcBef>
+              <a:spcAft>
+                <a:spcPct val="0"/>
+              </a:spcAft>
+              <a:defRPr>
+                <a:solidFill>
+                  <a:schemeClr val="tx1"/>
+                </a:solidFill>
+                <a:latin typeface="Frutiger 55 Roman" pitchFamily="34" charset="0"/>
+                <a:ea typeface="Arial Unicode MS" pitchFamily="34" charset="-128"/>
+                <a:cs typeface="Arial Unicode MS" pitchFamily="34" charset="-128"/>
+              </a:defRPr>
+            </a:lvl8pPr>
+            <a:lvl9pPr marL="3886200" indent="-228600" algn="ctr" eaLnBrk="0" fontAlgn="base" hangingPunct="0">
+              <a:spcBef>
+                <a:spcPct val="50000"/>
+              </a:spcBef>
+              <a:spcAft>
+                <a:spcPct val="0"/>
+              </a:spcAft>
+              <a:defRPr>
+                <a:solidFill>
+                  <a:schemeClr val="tx1"/>
+                </a:solidFill>
+                <a:latin typeface="Frutiger 55 Roman" pitchFamily="34" charset="0"/>
+                <a:ea typeface="Arial Unicode MS" pitchFamily="34" charset="-128"/>
+                <a:cs typeface="Arial Unicode MS" pitchFamily="34" charset="-128"/>
+              </a:defRPr>
+            </a:lvl9pPr>
+          </a:lstStyle>
+          <a:p>
+            <a:endParaRPr lang="de-CH" altLang="de-DE"/>
+          </a:p>
+        </p:txBody>
+      </p:sp>
+      <p:sp>
+        <p:nvSpPr>
           <p:cNvPr id="2" name="Title 1"/>
           <p:cNvSpPr>
             <a:spLocks noGrp="1"/>
@@ -5252,6 +5418,66 @@
           </a:p>
         </p:txBody>
       </p:sp>
+      <p:sp>
+        <p:nvSpPr>
+          <p:cNvPr id="3" name="Textfeld 2"/>
+          <p:cNvSpPr txBox="1"/>
+          <p:nvPr/>
+        </p:nvSpPr>
+        <p:spPr>
+          <a:xfrm>
+            <a:off x="1343022" y="1340768"/>
+            <a:ext cx="2292873" cy="584775"/>
+          </a:xfrm>
+          <a:prstGeom prst="rect">
+            <a:avLst/>
+          </a:prstGeom>
+          <a:noFill/>
+        </p:spPr>
+        <p:txBody>
+          <a:bodyPr wrap="square" rtlCol="0">
+            <a:spAutoFit/>
+          </a:bodyPr>
+          <a:lstStyle/>
+          <a:p>
+            <a:r>
+              <a:rPr lang="de-CH" sz="3200" b="1" dirty="0" smtClean="0"/>
+              <a:t>Umwelt</a:t>
+            </a:r>
+            <a:endParaRPr lang="de-CH" sz="3200" b="1" dirty="0"/>
+          </a:p>
+        </p:txBody>
+      </p:sp>
+      <p:sp>
+        <p:nvSpPr>
+          <p:cNvPr id="33" name="Textfeld 32"/>
+          <p:cNvSpPr txBox="1"/>
+          <p:nvPr/>
+        </p:nvSpPr>
+        <p:spPr>
+          <a:xfrm>
+            <a:off x="2879212" y="3366732"/>
+            <a:ext cx="2292873" cy="584775"/>
+          </a:xfrm>
+          <a:prstGeom prst="rect">
+            <a:avLst/>
+          </a:prstGeom>
+          <a:noFill/>
+        </p:spPr>
+        <p:txBody>
+          <a:bodyPr wrap="square" rtlCol="0">
+            <a:spAutoFit/>
+          </a:bodyPr>
+          <a:lstStyle/>
+          <a:p>
+            <a:r>
+              <a:rPr lang="de-CH" sz="3200" b="1" dirty="0" smtClean="0"/>
+              <a:t>Produkt</a:t>
+            </a:r>
+            <a:endParaRPr lang="de-CH" sz="3200" b="1" dirty="0"/>
+          </a:p>
+        </p:txBody>
+      </p:sp>
     </p:spTree>
     <p:extLst>
       <p:ext uri="{BB962C8B-B14F-4D97-AF65-F5344CB8AC3E}">
@@ -5330,7 +5556,6 @@
               </a:ext>
             </a:extLst>
           </a:blip>
-          <a:srcRect/>
           <a:stretch>
             <a:fillRect/>
           </a:stretch>
